--- a/slides/10_f_weather.pptx
+++ b/slides/10_f_weather.pptx
@@ -219,7 +219,7 @@
             <a:fld id="{764ED9EE-8F2A-4E06-87A2-36C0DD0993FD}" type="datetime1">
               <a:rPr lang="de-DE" smtClean="0"/>
               <a:pPr rtl="0"/>
-              <a:t>28.12.2020</a:t>
+              <a:t>18.01.2021</a:t>
             </a:fld>
             <a:endParaRPr lang="en-US" dirty="0"/>
           </a:p>
@@ -391,7 +391,7 @@
             <a:fld id="{A5A5ADE8-1FB8-43FD-A675-2B613EE00B6F}" type="datetime1">
               <a:rPr lang="de-DE" smtClean="0"/>
               <a:pPr rtl="0"/>
-              <a:t>28.12.2020</a:t>
+              <a:t>18.01.2021</a:t>
             </a:fld>
             <a:endParaRPr lang="en-US"/>
           </a:p>
@@ -907,7 +907,7 @@
             <a:fld id="{81E9C95E-BEF0-4D2E-9127-B9099B238D2A}" type="datetime1">
               <a:rPr lang="de-DE" smtClean="0"/>
               <a:pPr rtl="0"/>
-              <a:t>28.12.2020</a:t>
+              <a:t>18.01.2021</a:t>
             </a:fld>
             <a:endParaRPr lang="en-US" dirty="0"/>
           </a:p>
@@ -1116,7 +1116,7 @@
             <a:fld id="{FE771757-BB18-44C5-813E-435E78C98126}" type="datetime1">
               <a:rPr lang="de-DE" smtClean="0"/>
               <a:pPr rtl="0"/>
-              <a:t>28.12.2020</a:t>
+              <a:t>18.01.2021</a:t>
             </a:fld>
             <a:endParaRPr lang="en-US" dirty="0"/>
           </a:p>
@@ -1484,7 +1484,7 @@
             <a:fld id="{B83FACD6-565C-4118-ACD0-32ACCA9AF940}" type="datetime1">
               <a:rPr lang="de-DE" smtClean="0"/>
               <a:pPr rtl="0"/>
-              <a:t>28.12.2020</a:t>
+              <a:t>18.01.2021</a:t>
             </a:fld>
             <a:endParaRPr lang="en-US" dirty="0"/>
           </a:p>
@@ -1688,7 +1688,7 @@
             <a:fld id="{83627DD0-092D-4AD9-AAE0-0513E170352E}" type="datetime1">
               <a:rPr lang="de-DE" smtClean="0"/>
               <a:pPr rtl="0"/>
-              <a:t>28.12.2020</a:t>
+              <a:t>18.01.2021</a:t>
             </a:fld>
             <a:endParaRPr lang="en-US" dirty="0"/>
           </a:p>
@@ -2006,7 +2006,7 @@
             <a:fld id="{F36CBEDB-B1DE-4F8C-AD4A-10AD3F77E1A9}" type="datetime1">
               <a:rPr lang="de-DE" smtClean="0"/>
               <a:pPr rtl="0"/>
-              <a:t>28.12.2020</a:t>
+              <a:t>18.01.2021</a:t>
             </a:fld>
             <a:endParaRPr lang="en-US" dirty="0"/>
           </a:p>
@@ -2265,7 +2265,7 @@
             <a:fld id="{F95AE019-BB99-4C3A-AA2C-A36C39CE4DCB}" type="datetime1">
               <a:rPr lang="de-DE" smtClean="0"/>
               <a:pPr rtl="0"/>
-              <a:t>28.12.2020</a:t>
+              <a:t>18.01.2021</a:t>
             </a:fld>
             <a:endParaRPr lang="en-US" dirty="0"/>
           </a:p>
@@ -2693,7 +2693,7 @@
             <a:fld id="{117FAFC6-AD0C-4B5B-B8B0-E729C6D4C810}" type="datetime1">
               <a:rPr lang="de-DE" smtClean="0"/>
               <a:pPr rtl="0"/>
-              <a:t>28.12.2020</a:t>
+              <a:t>18.01.2021</a:t>
             </a:fld>
             <a:endParaRPr lang="en-US" dirty="0"/>
           </a:p>
@@ -2822,7 +2822,7 @@
             <a:fld id="{607DEF3C-A2B0-4F78-836D-1A1B1DEE5467}" type="datetime1">
               <a:rPr lang="de-DE" smtClean="0"/>
               <a:pPr rtl="0"/>
-              <a:t>28.12.2020</a:t>
+              <a:t>18.01.2021</a:t>
             </a:fld>
             <a:endParaRPr lang="en-US" dirty="0"/>
           </a:p>
@@ -2922,7 +2922,7 @@
             <a:fld id="{D971D44B-9C44-467E-B481-41466CDBD2A7}" type="datetime1">
               <a:rPr lang="de-DE" smtClean="0"/>
               <a:pPr rtl="0"/>
-              <a:t>28.12.2020</a:t>
+              <a:t>18.01.2021</a:t>
             </a:fld>
             <a:endParaRPr lang="en-US" dirty="0"/>
           </a:p>
@@ -3305,7 +3305,7 @@
             <a:fld id="{0354EEBD-0E7F-42E6-BE86-4864547D749E}" type="datetime1">
               <a:rPr lang="de-DE" smtClean="0"/>
               <a:pPr rtl="0"/>
-              <a:t>28.12.2020</a:t>
+              <a:t>18.01.2021</a:t>
             </a:fld>
             <a:endParaRPr lang="en-US" dirty="0"/>
           </a:p>
@@ -3604,7 +3604,7 @@
             <a:fld id="{8C7274EF-79A2-4EAD-98EF-7E5BB5EA068D}" type="datetime1">
               <a:rPr lang="de-DE" smtClean="0"/>
               <a:pPr rtl="0"/>
-              <a:t>28.12.2020</a:t>
+              <a:t>18.01.2021</a:t>
             </a:fld>
             <a:endParaRPr lang="en-US" dirty="0"/>
           </a:p>
@@ -3824,7 +3824,7 @@
             <a:fld id="{EDD379EC-906B-4CE5-98C2-3A156331FD9E}" type="datetime1">
               <a:rPr lang="de-DE" smtClean="0"/>
               <a:pPr rtl="0"/>
-              <a:t>28.12.2020</a:t>
+              <a:t>18.01.2021</a:t>
             </a:fld>
             <a:endParaRPr lang="en-US" dirty="0"/>
           </a:p>
@@ -4880,7 +4880,7 @@
         <p:spPr>
           <a:xfrm>
             <a:off x="581193" y="2340864"/>
-            <a:ext cx="6348114" cy="3634486"/>
+            <a:ext cx="5752495" cy="3634486"/>
           </a:xfrm>
         </p:spPr>
         <p:txBody>
@@ -4912,6 +4912,12 @@
             <a:r>
               <a:rPr lang="de-DE" dirty="0"/>
               <a:t> auf bestimmte Benutzer</a:t>
+            </a:r>
+          </a:p>
+          <a:p>
+            <a:r>
+              <a:rPr lang="de-DE" dirty="0"/>
+              <a:t>Erweitern von bestehenden Klassen um zusätzliche Funktionen</a:t>
             </a:r>
           </a:p>
         </p:txBody>
@@ -4941,7 +4947,7 @@
             <a:fld id="{83627DD0-092D-4AD9-AAE0-0513E170352E}" type="datetime1">
               <a:rPr lang="de-DE" smtClean="0"/>
               <a:pPr rtl="0"/>
-              <a:t>28.12.2020</a:t>
+              <a:t>18.01.2021</a:t>
             </a:fld>
             <a:endParaRPr lang="en-US" dirty="0"/>
           </a:p>
@@ -5085,7 +5091,7 @@
             <a:fld id="{83627DD0-092D-4AD9-AAE0-0513E170352E}" type="datetime1">
               <a:rPr lang="de-DE" smtClean="0"/>
               <a:pPr rtl="0"/>
-              <a:t>28.12.2020</a:t>
+              <a:t>18.01.2021</a:t>
             </a:fld>
             <a:endParaRPr lang="en-US" dirty="0"/>
           </a:p>
